--- a/Planning/Project Management Tools.pptx
+++ b/Planning/Project Management Tools.pptx
@@ -229,7 +229,7 @@
           <a:p>
             <a:fld id="{019A23E1-AA4C-432F-B82C-F913C76CFED9}" type="datetimeFigureOut">
               <a:rPr lang="en-NZ" smtClean="0"/>
-              <a:t>12/10/2020</a:t>
+              <a:t>4/11/2020</a:t>
             </a:fld>
             <a:endParaRPr lang="en-NZ"/>
           </a:p>
@@ -728,7 +728,7 @@
           <a:p>
             <a:fld id="{B8FCF55A-3BBA-4C05-BA4E-A146856BD345}" type="datetimeFigureOut">
               <a:rPr lang="en-US" smtClean="0"/>
-              <a:t>10/12/2020</a:t>
+              <a:t>11/4/2020</a:t>
             </a:fld>
             <a:endParaRPr lang="en-US"/>
           </a:p>
@@ -926,7 +926,7 @@
           <a:p>
             <a:fld id="{B8FCF55A-3BBA-4C05-BA4E-A146856BD345}" type="datetimeFigureOut">
               <a:rPr lang="en-US" smtClean="0"/>
-              <a:t>10/12/2020</a:t>
+              <a:t>11/4/2020</a:t>
             </a:fld>
             <a:endParaRPr lang="en-US"/>
           </a:p>
@@ -1134,7 +1134,7 @@
           <a:p>
             <a:fld id="{B8FCF55A-3BBA-4C05-BA4E-A146856BD345}" type="datetimeFigureOut">
               <a:rPr lang="en-US" smtClean="0"/>
-              <a:t>10/12/2020</a:t>
+              <a:t>11/4/2020</a:t>
             </a:fld>
             <a:endParaRPr lang="en-US"/>
           </a:p>
@@ -1332,7 +1332,7 @@
           <a:p>
             <a:fld id="{B8FCF55A-3BBA-4C05-BA4E-A146856BD345}" type="datetimeFigureOut">
               <a:rPr lang="en-US" smtClean="0"/>
-              <a:t>10/12/2020</a:t>
+              <a:t>11/4/2020</a:t>
             </a:fld>
             <a:endParaRPr lang="en-US"/>
           </a:p>
@@ -1607,7 +1607,7 @@
           <a:p>
             <a:fld id="{B8FCF55A-3BBA-4C05-BA4E-A146856BD345}" type="datetimeFigureOut">
               <a:rPr lang="en-US" smtClean="0"/>
-              <a:t>10/12/2020</a:t>
+              <a:t>11/4/2020</a:t>
             </a:fld>
             <a:endParaRPr lang="en-US"/>
           </a:p>
@@ -1872,7 +1872,7 @@
           <a:p>
             <a:fld id="{B8FCF55A-3BBA-4C05-BA4E-A146856BD345}" type="datetimeFigureOut">
               <a:rPr lang="en-US" smtClean="0"/>
-              <a:t>10/12/2020</a:t>
+              <a:t>11/4/2020</a:t>
             </a:fld>
             <a:endParaRPr lang="en-US"/>
           </a:p>
@@ -2284,7 +2284,7 @@
           <a:p>
             <a:fld id="{B8FCF55A-3BBA-4C05-BA4E-A146856BD345}" type="datetimeFigureOut">
               <a:rPr lang="en-US" smtClean="0"/>
-              <a:t>10/12/2020</a:t>
+              <a:t>11/4/2020</a:t>
             </a:fld>
             <a:endParaRPr lang="en-US"/>
           </a:p>
@@ -2425,7 +2425,7 @@
           <a:p>
             <a:fld id="{B8FCF55A-3BBA-4C05-BA4E-A146856BD345}" type="datetimeFigureOut">
               <a:rPr lang="en-US" smtClean="0"/>
-              <a:t>10/12/2020</a:t>
+              <a:t>11/4/2020</a:t>
             </a:fld>
             <a:endParaRPr lang="en-US"/>
           </a:p>
@@ -2538,7 +2538,7 @@
           <a:p>
             <a:fld id="{B8FCF55A-3BBA-4C05-BA4E-A146856BD345}" type="datetimeFigureOut">
               <a:rPr lang="en-US" smtClean="0"/>
-              <a:t>10/12/2020</a:t>
+              <a:t>11/4/2020</a:t>
             </a:fld>
             <a:endParaRPr lang="en-US"/>
           </a:p>
@@ -2849,7 +2849,7 @@
           <a:p>
             <a:fld id="{B8FCF55A-3BBA-4C05-BA4E-A146856BD345}" type="datetimeFigureOut">
               <a:rPr lang="en-US" smtClean="0"/>
-              <a:t>10/12/2020</a:t>
+              <a:t>11/4/2020</a:t>
             </a:fld>
             <a:endParaRPr lang="en-US"/>
           </a:p>
@@ -3137,7 +3137,7 @@
           <a:p>
             <a:fld id="{B8FCF55A-3BBA-4C05-BA4E-A146856BD345}" type="datetimeFigureOut">
               <a:rPr lang="en-US" smtClean="0"/>
-              <a:t>10/12/2020</a:t>
+              <a:t>11/4/2020</a:t>
             </a:fld>
             <a:endParaRPr lang="en-US"/>
           </a:p>
@@ -3378,7 +3378,7 @@
           <a:p>
             <a:fld id="{B8FCF55A-3BBA-4C05-BA4E-A146856BD345}" type="datetimeFigureOut">
               <a:rPr lang="en-US" smtClean="0"/>
-              <a:t>10/12/2020</a:t>
+              <a:t>11/4/2020</a:t>
             </a:fld>
             <a:endParaRPr lang="en-US"/>
           </a:p>
@@ -5065,6 +5065,23 @@
             <a:r>
               <a:rPr lang="en-US" sz="1800" dirty="0"/>
               <a:t>I will be using the Git desktop client to keep older versions; I will then upload this to GitHub at the end of the project for easy access.</a:t>
+            </a:r>
+          </a:p>
+          <a:p>
+            <a:r>
+              <a:rPr lang="en-US" sz="6600" b="1" dirty="0" err="1"/>
+              <a:t>Github</a:t>
+            </a:r>
+            <a:r>
+              <a:rPr lang="en-US" sz="6600" b="1" dirty="0"/>
+              <a:t> link:</a:t>
+            </a:r>
+            <a:br>
+              <a:rPr lang="en-US" sz="6600" dirty="0"/>
+            </a:br>
+            <a:r>
+              <a:rPr lang="en-US" sz="6600" dirty="0"/>
+              <a:t>https://github.com/Jack-Briggs/Achievement-Standard.git</a:t>
             </a:r>
           </a:p>
         </p:txBody>
